--- a/ppt 16-9/1515.牺牲的爱.pptx
+++ b/ppt 16-9/1515.牺牲的爱.pptx
@@ -5,7 +5,7 @@
     <p:sldMasterId id="2147483648" r:id="rId1"/>
   </p:sldMasterIdLst>
   <p:sldIdLst>
-    <p:sldId id="3358" r:id="rId2"/>
+    <p:sldId id="3360" r:id="rId2"/>
   </p:sldIdLst>
   <p:sldSz cx="12192000" cy="6858000"/>
   <p:notesSz cx="6858000" cy="9144000"/>
@@ -129,7 +129,7 @@
           <p:cNvPr id="2" name="标题 1">
             <a:extLst>
               <a:ext uri="{FF2B5EF4-FFF2-40B4-BE49-F238E27FC236}">
-                <a16:creationId xmlns:a16="http://schemas.microsoft.com/office/drawing/2014/main" id="{EDBAC58B-2E4F-F66E-6004-407F55B5624A}"/>
+                <a16:creationId xmlns:a16="http://schemas.microsoft.com/office/drawing/2014/main" id="{1C1176F3-2053-01D1-C677-BB8CC8D06F51}"/>
               </a:ext>
             </a:extLst>
           </p:cNvPr>
@@ -166,7 +166,7 @@
           <p:cNvPr id="3" name="副标题 2">
             <a:extLst>
               <a:ext uri="{FF2B5EF4-FFF2-40B4-BE49-F238E27FC236}">
-                <a16:creationId xmlns:a16="http://schemas.microsoft.com/office/drawing/2014/main" id="{B1FEEA6F-49C6-EF59-2F04-3E9CFDFA9D54}"/>
+                <a16:creationId xmlns:a16="http://schemas.microsoft.com/office/drawing/2014/main" id="{57DFC161-12D9-18F3-5C73-3FF934AA2769}"/>
               </a:ext>
             </a:extLst>
           </p:cNvPr>
@@ -236,7 +236,7 @@
           <p:cNvPr id="4" name="日期占位符 3">
             <a:extLst>
               <a:ext uri="{FF2B5EF4-FFF2-40B4-BE49-F238E27FC236}">
-                <a16:creationId xmlns:a16="http://schemas.microsoft.com/office/drawing/2014/main" id="{D3EED0BE-5853-BBB2-93A3-AB621AC2BD07}"/>
+                <a16:creationId xmlns:a16="http://schemas.microsoft.com/office/drawing/2014/main" id="{E15E99DC-0BF4-9F9F-A2C1-6B5142B92EDA}"/>
               </a:ext>
             </a:extLst>
           </p:cNvPr>
@@ -252,7 +252,7 @@
           <a:bodyPr/>
           <a:lstStyle/>
           <a:p>
-            <a:fld id="{6A079AC2-6E67-49AD-A016-9D9BFA8742AA}" type="datetimeFigureOut">
+            <a:fld id="{BF8F8C02-A97C-457B-A933-735B0E19A8E8}" type="datetimeFigureOut">
               <a:rPr lang="zh-CN" altLang="en-US" smtClean="0"/>
               <a:t>2024/3/10</a:t>
             </a:fld>
@@ -265,7 +265,7 @@
           <p:cNvPr id="5" name="页脚占位符 4">
             <a:extLst>
               <a:ext uri="{FF2B5EF4-FFF2-40B4-BE49-F238E27FC236}">
-                <a16:creationId xmlns:a16="http://schemas.microsoft.com/office/drawing/2014/main" id="{24CD6DFC-5B41-23C5-1AE0-23326B3DFCB6}"/>
+                <a16:creationId xmlns:a16="http://schemas.microsoft.com/office/drawing/2014/main" id="{23B49BFC-EA8A-4C30-9670-374774D5E561}"/>
               </a:ext>
             </a:extLst>
           </p:cNvPr>
@@ -290,7 +290,7 @@
           <p:cNvPr id="6" name="灯片编号占位符 5">
             <a:extLst>
               <a:ext uri="{FF2B5EF4-FFF2-40B4-BE49-F238E27FC236}">
-                <a16:creationId xmlns:a16="http://schemas.microsoft.com/office/drawing/2014/main" id="{89941383-02C5-ABDD-0536-75A0D991E65C}"/>
+                <a16:creationId xmlns:a16="http://schemas.microsoft.com/office/drawing/2014/main" id="{ADA5D559-64D6-46B0-BA03-721AF87540F6}"/>
               </a:ext>
             </a:extLst>
           </p:cNvPr>
@@ -306,7 +306,7 @@
           <a:bodyPr/>
           <a:lstStyle/>
           <a:p>
-            <a:fld id="{2A365BE2-FF83-4999-B5EC-99E5BCAB40EC}" type="slidenum">
+            <a:fld id="{7CDCDC58-8AB5-4E1F-8B70-CB68F2366622}" type="slidenum">
               <a:rPr lang="zh-CN" altLang="en-US" smtClean="0"/>
               <a:t>‹#›</a:t>
             </a:fld>
@@ -317,7 +317,7 @@
     </p:spTree>
     <p:extLst>
       <p:ext uri="{BB962C8B-B14F-4D97-AF65-F5344CB8AC3E}">
-        <p14:creationId xmlns:p14="http://schemas.microsoft.com/office/powerpoint/2010/main" val="1289854"/>
+        <p14:creationId xmlns:p14="http://schemas.microsoft.com/office/powerpoint/2010/main" val="2744866871"/>
       </p:ext>
     </p:extLst>
   </p:cSld>
@@ -349,7 +349,7 @@
           <p:cNvPr id="2" name="标题 1">
             <a:extLst>
               <a:ext uri="{FF2B5EF4-FFF2-40B4-BE49-F238E27FC236}">
-                <a16:creationId xmlns:a16="http://schemas.microsoft.com/office/drawing/2014/main" id="{3AC2177A-EEB6-0100-5A6B-E22DFB473F56}"/>
+                <a16:creationId xmlns:a16="http://schemas.microsoft.com/office/drawing/2014/main" id="{AF690AC5-77B1-EA5C-B9CD-9D3B5DF7E141}"/>
               </a:ext>
             </a:extLst>
           </p:cNvPr>
@@ -377,7 +377,7 @@
           <p:cNvPr id="3" name="竖排文字占位符 2">
             <a:extLst>
               <a:ext uri="{FF2B5EF4-FFF2-40B4-BE49-F238E27FC236}">
-                <a16:creationId xmlns:a16="http://schemas.microsoft.com/office/drawing/2014/main" id="{5D6E8290-8DE2-2A5C-563E-E3F7C881A31E}"/>
+                <a16:creationId xmlns:a16="http://schemas.microsoft.com/office/drawing/2014/main" id="{13BF1788-72A8-1998-6D69-B0D11E294B93}"/>
               </a:ext>
             </a:extLst>
           </p:cNvPr>
@@ -434,7 +434,7 @@
           <p:cNvPr id="4" name="日期占位符 3">
             <a:extLst>
               <a:ext uri="{FF2B5EF4-FFF2-40B4-BE49-F238E27FC236}">
-                <a16:creationId xmlns:a16="http://schemas.microsoft.com/office/drawing/2014/main" id="{6C51484C-CF55-F452-2DEF-7421720FAA68}"/>
+                <a16:creationId xmlns:a16="http://schemas.microsoft.com/office/drawing/2014/main" id="{1CA240C9-8002-76BE-B72E-516C0BF3222A}"/>
               </a:ext>
             </a:extLst>
           </p:cNvPr>
@@ -450,7 +450,7 @@
           <a:bodyPr/>
           <a:lstStyle/>
           <a:p>
-            <a:fld id="{6A079AC2-6E67-49AD-A016-9D9BFA8742AA}" type="datetimeFigureOut">
+            <a:fld id="{BF8F8C02-A97C-457B-A933-735B0E19A8E8}" type="datetimeFigureOut">
               <a:rPr lang="zh-CN" altLang="en-US" smtClean="0"/>
               <a:t>2024/3/10</a:t>
             </a:fld>
@@ -463,7 +463,7 @@
           <p:cNvPr id="5" name="页脚占位符 4">
             <a:extLst>
               <a:ext uri="{FF2B5EF4-FFF2-40B4-BE49-F238E27FC236}">
-                <a16:creationId xmlns:a16="http://schemas.microsoft.com/office/drawing/2014/main" id="{F3E78FB9-7E17-EFEF-00BC-56F43C3C71DE}"/>
+                <a16:creationId xmlns:a16="http://schemas.microsoft.com/office/drawing/2014/main" id="{E62AA82E-385E-B5C4-982C-A9F4B3AE44D9}"/>
               </a:ext>
             </a:extLst>
           </p:cNvPr>
@@ -488,7 +488,7 @@
           <p:cNvPr id="6" name="灯片编号占位符 5">
             <a:extLst>
               <a:ext uri="{FF2B5EF4-FFF2-40B4-BE49-F238E27FC236}">
-                <a16:creationId xmlns:a16="http://schemas.microsoft.com/office/drawing/2014/main" id="{ECF60FE9-E399-023E-8F7D-D694796C5C2A}"/>
+                <a16:creationId xmlns:a16="http://schemas.microsoft.com/office/drawing/2014/main" id="{2CA6B475-E20C-8F94-AA2E-3B6979FC906B}"/>
               </a:ext>
             </a:extLst>
           </p:cNvPr>
@@ -504,7 +504,7 @@
           <a:bodyPr/>
           <a:lstStyle/>
           <a:p>
-            <a:fld id="{2A365BE2-FF83-4999-B5EC-99E5BCAB40EC}" type="slidenum">
+            <a:fld id="{7CDCDC58-8AB5-4E1F-8B70-CB68F2366622}" type="slidenum">
               <a:rPr lang="zh-CN" altLang="en-US" smtClean="0"/>
               <a:t>‹#›</a:t>
             </a:fld>
@@ -515,7 +515,7 @@
     </p:spTree>
     <p:extLst>
       <p:ext uri="{BB962C8B-B14F-4D97-AF65-F5344CB8AC3E}">
-        <p14:creationId xmlns:p14="http://schemas.microsoft.com/office/powerpoint/2010/main" val="1841534064"/>
+        <p14:creationId xmlns:p14="http://schemas.microsoft.com/office/powerpoint/2010/main" val="1875006253"/>
       </p:ext>
     </p:extLst>
   </p:cSld>
@@ -547,7 +547,7 @@
           <p:cNvPr id="2" name="竖排标题 1">
             <a:extLst>
               <a:ext uri="{FF2B5EF4-FFF2-40B4-BE49-F238E27FC236}">
-                <a16:creationId xmlns:a16="http://schemas.microsoft.com/office/drawing/2014/main" id="{796EE5F6-EBBE-55CB-103C-FC0B859EE025}"/>
+                <a16:creationId xmlns:a16="http://schemas.microsoft.com/office/drawing/2014/main" id="{774C9C28-83C7-CD1A-50C2-4A21BE1C9BF9}"/>
               </a:ext>
             </a:extLst>
           </p:cNvPr>
@@ -580,7 +580,7 @@
           <p:cNvPr id="3" name="竖排文字占位符 2">
             <a:extLst>
               <a:ext uri="{FF2B5EF4-FFF2-40B4-BE49-F238E27FC236}">
-                <a16:creationId xmlns:a16="http://schemas.microsoft.com/office/drawing/2014/main" id="{EBC9B2AF-429A-A0CC-FC2D-9D565E1309DE}"/>
+                <a16:creationId xmlns:a16="http://schemas.microsoft.com/office/drawing/2014/main" id="{48855249-48A3-A22C-95F0-B0E5C6A0D0DA}"/>
               </a:ext>
             </a:extLst>
           </p:cNvPr>
@@ -642,7 +642,7 @@
           <p:cNvPr id="4" name="日期占位符 3">
             <a:extLst>
               <a:ext uri="{FF2B5EF4-FFF2-40B4-BE49-F238E27FC236}">
-                <a16:creationId xmlns:a16="http://schemas.microsoft.com/office/drawing/2014/main" id="{B4E727F0-7251-1853-D4E2-D8FB2D20E4C6}"/>
+                <a16:creationId xmlns:a16="http://schemas.microsoft.com/office/drawing/2014/main" id="{783C4B25-39A9-F48A-B91F-E879B224D6CD}"/>
               </a:ext>
             </a:extLst>
           </p:cNvPr>
@@ -658,7 +658,7 @@
           <a:bodyPr/>
           <a:lstStyle/>
           <a:p>
-            <a:fld id="{6A079AC2-6E67-49AD-A016-9D9BFA8742AA}" type="datetimeFigureOut">
+            <a:fld id="{BF8F8C02-A97C-457B-A933-735B0E19A8E8}" type="datetimeFigureOut">
               <a:rPr lang="zh-CN" altLang="en-US" smtClean="0"/>
               <a:t>2024/3/10</a:t>
             </a:fld>
@@ -671,7 +671,7 @@
           <p:cNvPr id="5" name="页脚占位符 4">
             <a:extLst>
               <a:ext uri="{FF2B5EF4-FFF2-40B4-BE49-F238E27FC236}">
-                <a16:creationId xmlns:a16="http://schemas.microsoft.com/office/drawing/2014/main" id="{F123F215-652C-206D-DC05-DA8B47D4B4CB}"/>
+                <a16:creationId xmlns:a16="http://schemas.microsoft.com/office/drawing/2014/main" id="{9A04D95A-57AF-0741-4F4F-3106A830942E}"/>
               </a:ext>
             </a:extLst>
           </p:cNvPr>
@@ -696,7 +696,7 @@
           <p:cNvPr id="6" name="灯片编号占位符 5">
             <a:extLst>
               <a:ext uri="{FF2B5EF4-FFF2-40B4-BE49-F238E27FC236}">
-                <a16:creationId xmlns:a16="http://schemas.microsoft.com/office/drawing/2014/main" id="{20D60B19-1301-D6E5-F82C-0EF9706CF1A2}"/>
+                <a16:creationId xmlns:a16="http://schemas.microsoft.com/office/drawing/2014/main" id="{84B1E423-2008-5A59-4474-EAE5A4D6A228}"/>
               </a:ext>
             </a:extLst>
           </p:cNvPr>
@@ -712,7 +712,7 @@
           <a:bodyPr/>
           <a:lstStyle/>
           <a:p>
-            <a:fld id="{2A365BE2-FF83-4999-B5EC-99E5BCAB40EC}" type="slidenum">
+            <a:fld id="{7CDCDC58-8AB5-4E1F-8B70-CB68F2366622}" type="slidenum">
               <a:rPr lang="zh-CN" altLang="en-US" smtClean="0"/>
               <a:t>‹#›</a:t>
             </a:fld>
@@ -723,7 +723,7 @@
     </p:spTree>
     <p:extLst>
       <p:ext uri="{BB962C8B-B14F-4D97-AF65-F5344CB8AC3E}">
-        <p14:creationId xmlns:p14="http://schemas.microsoft.com/office/powerpoint/2010/main" val="931078440"/>
+        <p14:creationId xmlns:p14="http://schemas.microsoft.com/office/powerpoint/2010/main" val="2857608911"/>
       </p:ext>
     </p:extLst>
   </p:cSld>
@@ -755,7 +755,7 @@
           <p:cNvPr id="2" name="标题 1">
             <a:extLst>
               <a:ext uri="{FF2B5EF4-FFF2-40B4-BE49-F238E27FC236}">
-                <a16:creationId xmlns:a16="http://schemas.microsoft.com/office/drawing/2014/main" id="{6A710419-A7EF-5305-5A6A-C15DFFE82DC0}"/>
+                <a16:creationId xmlns:a16="http://schemas.microsoft.com/office/drawing/2014/main" id="{5CF48F4E-4E67-43F8-CD0B-3248D8A5FF7E}"/>
               </a:ext>
             </a:extLst>
           </p:cNvPr>
@@ -783,7 +783,7 @@
           <p:cNvPr id="3" name="内容占位符 2">
             <a:extLst>
               <a:ext uri="{FF2B5EF4-FFF2-40B4-BE49-F238E27FC236}">
-                <a16:creationId xmlns:a16="http://schemas.microsoft.com/office/drawing/2014/main" id="{2430B65C-ADD7-B820-0C20-57677CD34465}"/>
+                <a16:creationId xmlns:a16="http://schemas.microsoft.com/office/drawing/2014/main" id="{F94B0AB2-F586-065D-AF4D-42CBDF149EC9}"/>
               </a:ext>
             </a:extLst>
           </p:cNvPr>
@@ -840,7 +840,7 @@
           <p:cNvPr id="4" name="日期占位符 3">
             <a:extLst>
               <a:ext uri="{FF2B5EF4-FFF2-40B4-BE49-F238E27FC236}">
-                <a16:creationId xmlns:a16="http://schemas.microsoft.com/office/drawing/2014/main" id="{3A982C10-AB17-A13D-619F-15916EABB2BA}"/>
+                <a16:creationId xmlns:a16="http://schemas.microsoft.com/office/drawing/2014/main" id="{B9C2BB6C-4FF1-0D39-3ED1-ECE22F53A460}"/>
               </a:ext>
             </a:extLst>
           </p:cNvPr>
@@ -856,7 +856,7 @@
           <a:bodyPr/>
           <a:lstStyle/>
           <a:p>
-            <a:fld id="{6A079AC2-6E67-49AD-A016-9D9BFA8742AA}" type="datetimeFigureOut">
+            <a:fld id="{BF8F8C02-A97C-457B-A933-735B0E19A8E8}" type="datetimeFigureOut">
               <a:rPr lang="zh-CN" altLang="en-US" smtClean="0"/>
               <a:t>2024/3/10</a:t>
             </a:fld>
@@ -869,7 +869,7 @@
           <p:cNvPr id="5" name="页脚占位符 4">
             <a:extLst>
               <a:ext uri="{FF2B5EF4-FFF2-40B4-BE49-F238E27FC236}">
-                <a16:creationId xmlns:a16="http://schemas.microsoft.com/office/drawing/2014/main" id="{D045038E-369A-6F35-88DF-92F9DF12FF57}"/>
+                <a16:creationId xmlns:a16="http://schemas.microsoft.com/office/drawing/2014/main" id="{A7C932F1-9311-2E84-EC92-7D6A97440ABF}"/>
               </a:ext>
             </a:extLst>
           </p:cNvPr>
@@ -894,7 +894,7 @@
           <p:cNvPr id="6" name="灯片编号占位符 5">
             <a:extLst>
               <a:ext uri="{FF2B5EF4-FFF2-40B4-BE49-F238E27FC236}">
-                <a16:creationId xmlns:a16="http://schemas.microsoft.com/office/drawing/2014/main" id="{53D4CBEC-4E9B-2F23-0650-A0B38CA87167}"/>
+                <a16:creationId xmlns:a16="http://schemas.microsoft.com/office/drawing/2014/main" id="{D340694D-3EAE-7E66-0D9B-DD38897DD1BA}"/>
               </a:ext>
             </a:extLst>
           </p:cNvPr>
@@ -910,7 +910,7 @@
           <a:bodyPr/>
           <a:lstStyle/>
           <a:p>
-            <a:fld id="{2A365BE2-FF83-4999-B5EC-99E5BCAB40EC}" type="slidenum">
+            <a:fld id="{7CDCDC58-8AB5-4E1F-8B70-CB68F2366622}" type="slidenum">
               <a:rPr lang="zh-CN" altLang="en-US" smtClean="0"/>
               <a:t>‹#›</a:t>
             </a:fld>
@@ -921,7 +921,7 @@
     </p:spTree>
     <p:extLst>
       <p:ext uri="{BB962C8B-B14F-4D97-AF65-F5344CB8AC3E}">
-        <p14:creationId xmlns:p14="http://schemas.microsoft.com/office/powerpoint/2010/main" val="2134250955"/>
+        <p14:creationId xmlns:p14="http://schemas.microsoft.com/office/powerpoint/2010/main" val="442972126"/>
       </p:ext>
     </p:extLst>
   </p:cSld>
@@ -953,7 +953,7 @@
           <p:cNvPr id="2" name="标题 1">
             <a:extLst>
               <a:ext uri="{FF2B5EF4-FFF2-40B4-BE49-F238E27FC236}">
-                <a16:creationId xmlns:a16="http://schemas.microsoft.com/office/drawing/2014/main" id="{F7EE1B8F-404D-558F-CF12-AFF957378C5D}"/>
+                <a16:creationId xmlns:a16="http://schemas.microsoft.com/office/drawing/2014/main" id="{B4097E8D-8DE8-763E-859A-6E6B3D704B7E}"/>
               </a:ext>
             </a:extLst>
           </p:cNvPr>
@@ -990,7 +990,7 @@
           <p:cNvPr id="3" name="文本占位符 2">
             <a:extLst>
               <a:ext uri="{FF2B5EF4-FFF2-40B4-BE49-F238E27FC236}">
-                <a16:creationId xmlns:a16="http://schemas.microsoft.com/office/drawing/2014/main" id="{9123710B-9591-D26C-9AC4-FBB6DD5E95F9}"/>
+                <a16:creationId xmlns:a16="http://schemas.microsoft.com/office/drawing/2014/main" id="{DE61DC82-94D5-7A09-8C1C-6CF6C01B9C8F}"/>
               </a:ext>
             </a:extLst>
           </p:cNvPr>
@@ -1115,7 +1115,7 @@
           <p:cNvPr id="4" name="日期占位符 3">
             <a:extLst>
               <a:ext uri="{FF2B5EF4-FFF2-40B4-BE49-F238E27FC236}">
-                <a16:creationId xmlns:a16="http://schemas.microsoft.com/office/drawing/2014/main" id="{7E3C9A7C-B950-79CE-592E-6D9DC0EC85E8}"/>
+                <a16:creationId xmlns:a16="http://schemas.microsoft.com/office/drawing/2014/main" id="{A0893F2F-5975-9F8B-B532-4A3FF68557A8}"/>
               </a:ext>
             </a:extLst>
           </p:cNvPr>
@@ -1131,7 +1131,7 @@
           <a:bodyPr/>
           <a:lstStyle/>
           <a:p>
-            <a:fld id="{6A079AC2-6E67-49AD-A016-9D9BFA8742AA}" type="datetimeFigureOut">
+            <a:fld id="{BF8F8C02-A97C-457B-A933-735B0E19A8E8}" type="datetimeFigureOut">
               <a:rPr lang="zh-CN" altLang="en-US" smtClean="0"/>
               <a:t>2024/3/10</a:t>
             </a:fld>
@@ -1144,7 +1144,7 @@
           <p:cNvPr id="5" name="页脚占位符 4">
             <a:extLst>
               <a:ext uri="{FF2B5EF4-FFF2-40B4-BE49-F238E27FC236}">
-                <a16:creationId xmlns:a16="http://schemas.microsoft.com/office/drawing/2014/main" id="{78A63699-2ED9-38A9-9CE6-8350B2F12D76}"/>
+                <a16:creationId xmlns:a16="http://schemas.microsoft.com/office/drawing/2014/main" id="{B0D9CBBA-7442-0B61-4521-24C682D264EE}"/>
               </a:ext>
             </a:extLst>
           </p:cNvPr>
@@ -1169,7 +1169,7 @@
           <p:cNvPr id="6" name="灯片编号占位符 5">
             <a:extLst>
               <a:ext uri="{FF2B5EF4-FFF2-40B4-BE49-F238E27FC236}">
-                <a16:creationId xmlns:a16="http://schemas.microsoft.com/office/drawing/2014/main" id="{EBE2F248-622F-7F25-05FC-EFD59BFA2A69}"/>
+                <a16:creationId xmlns:a16="http://schemas.microsoft.com/office/drawing/2014/main" id="{3BD8BCE4-1BA2-55FC-6FCD-3A23EBC59BBE}"/>
               </a:ext>
             </a:extLst>
           </p:cNvPr>
@@ -1185,7 +1185,7 @@
           <a:bodyPr/>
           <a:lstStyle/>
           <a:p>
-            <a:fld id="{2A365BE2-FF83-4999-B5EC-99E5BCAB40EC}" type="slidenum">
+            <a:fld id="{7CDCDC58-8AB5-4E1F-8B70-CB68F2366622}" type="slidenum">
               <a:rPr lang="zh-CN" altLang="en-US" smtClean="0"/>
               <a:t>‹#›</a:t>
             </a:fld>
@@ -1196,7 +1196,7 @@
     </p:spTree>
     <p:extLst>
       <p:ext uri="{BB962C8B-B14F-4D97-AF65-F5344CB8AC3E}">
-        <p14:creationId xmlns:p14="http://schemas.microsoft.com/office/powerpoint/2010/main" val="964975437"/>
+        <p14:creationId xmlns:p14="http://schemas.microsoft.com/office/powerpoint/2010/main" val="2212303017"/>
       </p:ext>
     </p:extLst>
   </p:cSld>
@@ -1228,7 +1228,7 @@
           <p:cNvPr id="2" name="标题 1">
             <a:extLst>
               <a:ext uri="{FF2B5EF4-FFF2-40B4-BE49-F238E27FC236}">
-                <a16:creationId xmlns:a16="http://schemas.microsoft.com/office/drawing/2014/main" id="{7701FE4E-53E0-1181-64FC-C605792280E9}"/>
+                <a16:creationId xmlns:a16="http://schemas.microsoft.com/office/drawing/2014/main" id="{DCDEA4A8-040E-6A20-B80E-42F71BA3C420}"/>
               </a:ext>
             </a:extLst>
           </p:cNvPr>
@@ -1256,7 +1256,7 @@
           <p:cNvPr id="3" name="内容占位符 2">
             <a:extLst>
               <a:ext uri="{FF2B5EF4-FFF2-40B4-BE49-F238E27FC236}">
-                <a16:creationId xmlns:a16="http://schemas.microsoft.com/office/drawing/2014/main" id="{46E44E84-BC4B-6A55-CF3A-6B24ACD521A8}"/>
+                <a16:creationId xmlns:a16="http://schemas.microsoft.com/office/drawing/2014/main" id="{357A780C-E6DB-99F5-E629-22E42C8E8ABF}"/>
               </a:ext>
             </a:extLst>
           </p:cNvPr>
@@ -1318,7 +1318,7 @@
           <p:cNvPr id="4" name="内容占位符 3">
             <a:extLst>
               <a:ext uri="{FF2B5EF4-FFF2-40B4-BE49-F238E27FC236}">
-                <a16:creationId xmlns:a16="http://schemas.microsoft.com/office/drawing/2014/main" id="{70752B08-6CE1-E997-3AD3-26CBD09A82B8}"/>
+                <a16:creationId xmlns:a16="http://schemas.microsoft.com/office/drawing/2014/main" id="{3535D091-4C7C-AC5D-F80D-A7965E6EAECC}"/>
               </a:ext>
             </a:extLst>
           </p:cNvPr>
@@ -1380,7 +1380,7 @@
           <p:cNvPr id="5" name="日期占位符 4">
             <a:extLst>
               <a:ext uri="{FF2B5EF4-FFF2-40B4-BE49-F238E27FC236}">
-                <a16:creationId xmlns:a16="http://schemas.microsoft.com/office/drawing/2014/main" id="{BA820E65-680D-2A60-6A43-8129A4DCC024}"/>
+                <a16:creationId xmlns:a16="http://schemas.microsoft.com/office/drawing/2014/main" id="{A94299D8-D642-B5FE-2910-687796C9BB5C}"/>
               </a:ext>
             </a:extLst>
           </p:cNvPr>
@@ -1396,7 +1396,7 @@
           <a:bodyPr/>
           <a:lstStyle/>
           <a:p>
-            <a:fld id="{6A079AC2-6E67-49AD-A016-9D9BFA8742AA}" type="datetimeFigureOut">
+            <a:fld id="{BF8F8C02-A97C-457B-A933-735B0E19A8E8}" type="datetimeFigureOut">
               <a:rPr lang="zh-CN" altLang="en-US" smtClean="0"/>
               <a:t>2024/3/10</a:t>
             </a:fld>
@@ -1409,7 +1409,7 @@
           <p:cNvPr id="6" name="页脚占位符 5">
             <a:extLst>
               <a:ext uri="{FF2B5EF4-FFF2-40B4-BE49-F238E27FC236}">
-                <a16:creationId xmlns:a16="http://schemas.microsoft.com/office/drawing/2014/main" id="{A08CABB1-9E58-6D82-25FD-2D117F73C3E1}"/>
+                <a16:creationId xmlns:a16="http://schemas.microsoft.com/office/drawing/2014/main" id="{2B52C190-58B3-102C-20C7-E6F649AD7FD9}"/>
               </a:ext>
             </a:extLst>
           </p:cNvPr>
@@ -1434,7 +1434,7 @@
           <p:cNvPr id="7" name="灯片编号占位符 6">
             <a:extLst>
               <a:ext uri="{FF2B5EF4-FFF2-40B4-BE49-F238E27FC236}">
-                <a16:creationId xmlns:a16="http://schemas.microsoft.com/office/drawing/2014/main" id="{AD405B8B-93BA-C1F1-C383-0B1DDB39F3C2}"/>
+                <a16:creationId xmlns:a16="http://schemas.microsoft.com/office/drawing/2014/main" id="{8C1E9D8D-E317-ECE7-2EF9-B26D753CB5B0}"/>
               </a:ext>
             </a:extLst>
           </p:cNvPr>
@@ -1450,7 +1450,7 @@
           <a:bodyPr/>
           <a:lstStyle/>
           <a:p>
-            <a:fld id="{2A365BE2-FF83-4999-B5EC-99E5BCAB40EC}" type="slidenum">
+            <a:fld id="{7CDCDC58-8AB5-4E1F-8B70-CB68F2366622}" type="slidenum">
               <a:rPr lang="zh-CN" altLang="en-US" smtClean="0"/>
               <a:t>‹#›</a:t>
             </a:fld>
@@ -1461,7 +1461,7 @@
     </p:spTree>
     <p:extLst>
       <p:ext uri="{BB962C8B-B14F-4D97-AF65-F5344CB8AC3E}">
-        <p14:creationId xmlns:p14="http://schemas.microsoft.com/office/powerpoint/2010/main" val="772219431"/>
+        <p14:creationId xmlns:p14="http://schemas.microsoft.com/office/powerpoint/2010/main" val="225939483"/>
       </p:ext>
     </p:extLst>
   </p:cSld>
@@ -1493,7 +1493,7 @@
           <p:cNvPr id="2" name="标题 1">
             <a:extLst>
               <a:ext uri="{FF2B5EF4-FFF2-40B4-BE49-F238E27FC236}">
-                <a16:creationId xmlns:a16="http://schemas.microsoft.com/office/drawing/2014/main" id="{0E08213F-A932-F9AD-537A-3D8E7A7D22B7}"/>
+                <a16:creationId xmlns:a16="http://schemas.microsoft.com/office/drawing/2014/main" id="{BD0549D1-3573-BB78-6772-755C5EE3F47B}"/>
               </a:ext>
             </a:extLst>
           </p:cNvPr>
@@ -1526,7 +1526,7 @@
           <p:cNvPr id="3" name="文本占位符 2">
             <a:extLst>
               <a:ext uri="{FF2B5EF4-FFF2-40B4-BE49-F238E27FC236}">
-                <a16:creationId xmlns:a16="http://schemas.microsoft.com/office/drawing/2014/main" id="{888EEDBE-5004-EA21-232D-F296DB431340}"/>
+                <a16:creationId xmlns:a16="http://schemas.microsoft.com/office/drawing/2014/main" id="{4A75BCD5-D9B9-6F57-9745-533F3B2DA5D3}"/>
               </a:ext>
             </a:extLst>
           </p:cNvPr>
@@ -1597,7 +1597,7 @@
           <p:cNvPr id="4" name="内容占位符 3">
             <a:extLst>
               <a:ext uri="{FF2B5EF4-FFF2-40B4-BE49-F238E27FC236}">
-                <a16:creationId xmlns:a16="http://schemas.microsoft.com/office/drawing/2014/main" id="{642B4359-DE7F-C6AC-9FA3-DFF6940C5B40}"/>
+                <a16:creationId xmlns:a16="http://schemas.microsoft.com/office/drawing/2014/main" id="{0A9C32CD-2AE3-F87B-ECC9-DCD9B5974084}"/>
               </a:ext>
             </a:extLst>
           </p:cNvPr>
@@ -1659,7 +1659,7 @@
           <p:cNvPr id="5" name="文本占位符 4">
             <a:extLst>
               <a:ext uri="{FF2B5EF4-FFF2-40B4-BE49-F238E27FC236}">
-                <a16:creationId xmlns:a16="http://schemas.microsoft.com/office/drawing/2014/main" id="{98EAE910-5EFF-33F4-0543-6A77387E6BF5}"/>
+                <a16:creationId xmlns:a16="http://schemas.microsoft.com/office/drawing/2014/main" id="{6FCB9188-CA52-45A4-89E0-61CE9B3CFF9D}"/>
               </a:ext>
             </a:extLst>
           </p:cNvPr>
@@ -1730,7 +1730,7 @@
           <p:cNvPr id="6" name="内容占位符 5">
             <a:extLst>
               <a:ext uri="{FF2B5EF4-FFF2-40B4-BE49-F238E27FC236}">
-                <a16:creationId xmlns:a16="http://schemas.microsoft.com/office/drawing/2014/main" id="{AD127E6E-E76A-4548-05E9-04FD61D3856A}"/>
+                <a16:creationId xmlns:a16="http://schemas.microsoft.com/office/drawing/2014/main" id="{C671F554-A515-4CE5-4E83-AC728E2F76C4}"/>
               </a:ext>
             </a:extLst>
           </p:cNvPr>
@@ -1792,7 +1792,7 @@
           <p:cNvPr id="7" name="日期占位符 6">
             <a:extLst>
               <a:ext uri="{FF2B5EF4-FFF2-40B4-BE49-F238E27FC236}">
-                <a16:creationId xmlns:a16="http://schemas.microsoft.com/office/drawing/2014/main" id="{AD66736B-8E0E-8044-D2A2-F90B082C8EEB}"/>
+                <a16:creationId xmlns:a16="http://schemas.microsoft.com/office/drawing/2014/main" id="{C099B250-30D6-BAAE-F487-B39B24876719}"/>
               </a:ext>
             </a:extLst>
           </p:cNvPr>
@@ -1808,7 +1808,7 @@
           <a:bodyPr/>
           <a:lstStyle/>
           <a:p>
-            <a:fld id="{6A079AC2-6E67-49AD-A016-9D9BFA8742AA}" type="datetimeFigureOut">
+            <a:fld id="{BF8F8C02-A97C-457B-A933-735B0E19A8E8}" type="datetimeFigureOut">
               <a:rPr lang="zh-CN" altLang="en-US" smtClean="0"/>
               <a:t>2024/3/10</a:t>
             </a:fld>
@@ -1821,7 +1821,7 @@
           <p:cNvPr id="8" name="页脚占位符 7">
             <a:extLst>
               <a:ext uri="{FF2B5EF4-FFF2-40B4-BE49-F238E27FC236}">
-                <a16:creationId xmlns:a16="http://schemas.microsoft.com/office/drawing/2014/main" id="{90CE7BF0-F71B-BB11-3E7D-EFC17B8E5BBC}"/>
+                <a16:creationId xmlns:a16="http://schemas.microsoft.com/office/drawing/2014/main" id="{1FF0524F-31F1-1677-FE13-FE342CB4700A}"/>
               </a:ext>
             </a:extLst>
           </p:cNvPr>
@@ -1846,7 +1846,7 @@
           <p:cNvPr id="9" name="灯片编号占位符 8">
             <a:extLst>
               <a:ext uri="{FF2B5EF4-FFF2-40B4-BE49-F238E27FC236}">
-                <a16:creationId xmlns:a16="http://schemas.microsoft.com/office/drawing/2014/main" id="{FCA874D6-991E-3126-DBF5-B19B4057D006}"/>
+                <a16:creationId xmlns:a16="http://schemas.microsoft.com/office/drawing/2014/main" id="{3FF4D00A-162B-40B3-33A5-BC03C355AE0F}"/>
               </a:ext>
             </a:extLst>
           </p:cNvPr>
@@ -1862,7 +1862,7 @@
           <a:bodyPr/>
           <a:lstStyle/>
           <a:p>
-            <a:fld id="{2A365BE2-FF83-4999-B5EC-99E5BCAB40EC}" type="slidenum">
+            <a:fld id="{7CDCDC58-8AB5-4E1F-8B70-CB68F2366622}" type="slidenum">
               <a:rPr lang="zh-CN" altLang="en-US" smtClean="0"/>
               <a:t>‹#›</a:t>
             </a:fld>
@@ -1873,7 +1873,7 @@
     </p:spTree>
     <p:extLst>
       <p:ext uri="{BB962C8B-B14F-4D97-AF65-F5344CB8AC3E}">
-        <p14:creationId xmlns:p14="http://schemas.microsoft.com/office/powerpoint/2010/main" val="2834599813"/>
+        <p14:creationId xmlns:p14="http://schemas.microsoft.com/office/powerpoint/2010/main" val="1631784515"/>
       </p:ext>
     </p:extLst>
   </p:cSld>
@@ -1905,7 +1905,7 @@
           <p:cNvPr id="2" name="标题 1">
             <a:extLst>
               <a:ext uri="{FF2B5EF4-FFF2-40B4-BE49-F238E27FC236}">
-                <a16:creationId xmlns:a16="http://schemas.microsoft.com/office/drawing/2014/main" id="{201E83B7-E36E-C9C9-4AD3-03DD4335DB34}"/>
+                <a16:creationId xmlns:a16="http://schemas.microsoft.com/office/drawing/2014/main" id="{B2FB977F-F1E6-DAC6-5987-DD968198883D}"/>
               </a:ext>
             </a:extLst>
           </p:cNvPr>
@@ -1933,7 +1933,7 @@
           <p:cNvPr id="3" name="日期占位符 2">
             <a:extLst>
               <a:ext uri="{FF2B5EF4-FFF2-40B4-BE49-F238E27FC236}">
-                <a16:creationId xmlns:a16="http://schemas.microsoft.com/office/drawing/2014/main" id="{5711E096-479F-4F78-FF58-8550F3356BF5}"/>
+                <a16:creationId xmlns:a16="http://schemas.microsoft.com/office/drawing/2014/main" id="{16FD237C-90E0-BD80-702B-3D01F8E77731}"/>
               </a:ext>
             </a:extLst>
           </p:cNvPr>
@@ -1949,7 +1949,7 @@
           <a:bodyPr/>
           <a:lstStyle/>
           <a:p>
-            <a:fld id="{6A079AC2-6E67-49AD-A016-9D9BFA8742AA}" type="datetimeFigureOut">
+            <a:fld id="{BF8F8C02-A97C-457B-A933-735B0E19A8E8}" type="datetimeFigureOut">
               <a:rPr lang="zh-CN" altLang="en-US" smtClean="0"/>
               <a:t>2024/3/10</a:t>
             </a:fld>
@@ -1962,7 +1962,7 @@
           <p:cNvPr id="4" name="页脚占位符 3">
             <a:extLst>
               <a:ext uri="{FF2B5EF4-FFF2-40B4-BE49-F238E27FC236}">
-                <a16:creationId xmlns:a16="http://schemas.microsoft.com/office/drawing/2014/main" id="{4DA80B0D-3B36-E56A-C33A-F539AA7B38B1}"/>
+                <a16:creationId xmlns:a16="http://schemas.microsoft.com/office/drawing/2014/main" id="{E22521AC-16BD-2C42-D488-78BA5DF45C9A}"/>
               </a:ext>
             </a:extLst>
           </p:cNvPr>
@@ -1987,7 +1987,7 @@
           <p:cNvPr id="5" name="灯片编号占位符 4">
             <a:extLst>
               <a:ext uri="{FF2B5EF4-FFF2-40B4-BE49-F238E27FC236}">
-                <a16:creationId xmlns:a16="http://schemas.microsoft.com/office/drawing/2014/main" id="{AF59B07F-F263-70E5-73F2-297DE81E0E64}"/>
+                <a16:creationId xmlns:a16="http://schemas.microsoft.com/office/drawing/2014/main" id="{DF37795A-4725-060D-E218-B04856D7B701}"/>
               </a:ext>
             </a:extLst>
           </p:cNvPr>
@@ -2003,7 +2003,7 @@
           <a:bodyPr/>
           <a:lstStyle/>
           <a:p>
-            <a:fld id="{2A365BE2-FF83-4999-B5EC-99E5BCAB40EC}" type="slidenum">
+            <a:fld id="{7CDCDC58-8AB5-4E1F-8B70-CB68F2366622}" type="slidenum">
               <a:rPr lang="zh-CN" altLang="en-US" smtClean="0"/>
               <a:t>‹#›</a:t>
             </a:fld>
@@ -2014,7 +2014,7 @@
     </p:spTree>
     <p:extLst>
       <p:ext uri="{BB962C8B-B14F-4D97-AF65-F5344CB8AC3E}">
-        <p14:creationId xmlns:p14="http://schemas.microsoft.com/office/powerpoint/2010/main" val="9483575"/>
+        <p14:creationId xmlns:p14="http://schemas.microsoft.com/office/powerpoint/2010/main" val="1268584151"/>
       </p:ext>
     </p:extLst>
   </p:cSld>
@@ -2046,7 +2046,7 @@
           <p:cNvPr id="2" name="日期占位符 1">
             <a:extLst>
               <a:ext uri="{FF2B5EF4-FFF2-40B4-BE49-F238E27FC236}">
-                <a16:creationId xmlns:a16="http://schemas.microsoft.com/office/drawing/2014/main" id="{16D282D1-6790-C833-A34B-922BE6C1E07F}"/>
+                <a16:creationId xmlns:a16="http://schemas.microsoft.com/office/drawing/2014/main" id="{7F10CF77-CA0E-03CF-D550-4EBD35083657}"/>
               </a:ext>
             </a:extLst>
           </p:cNvPr>
@@ -2062,7 +2062,7 @@
           <a:bodyPr/>
           <a:lstStyle/>
           <a:p>
-            <a:fld id="{6A079AC2-6E67-49AD-A016-9D9BFA8742AA}" type="datetimeFigureOut">
+            <a:fld id="{BF8F8C02-A97C-457B-A933-735B0E19A8E8}" type="datetimeFigureOut">
               <a:rPr lang="zh-CN" altLang="en-US" smtClean="0"/>
               <a:t>2024/3/10</a:t>
             </a:fld>
@@ -2075,7 +2075,7 @@
           <p:cNvPr id="3" name="页脚占位符 2">
             <a:extLst>
               <a:ext uri="{FF2B5EF4-FFF2-40B4-BE49-F238E27FC236}">
-                <a16:creationId xmlns:a16="http://schemas.microsoft.com/office/drawing/2014/main" id="{645F2A1F-99A1-7842-8F88-51001D837A7A}"/>
+                <a16:creationId xmlns:a16="http://schemas.microsoft.com/office/drawing/2014/main" id="{828623FD-8ABA-5A24-AACD-814E5343C635}"/>
               </a:ext>
             </a:extLst>
           </p:cNvPr>
@@ -2100,7 +2100,7 @@
           <p:cNvPr id="4" name="灯片编号占位符 3">
             <a:extLst>
               <a:ext uri="{FF2B5EF4-FFF2-40B4-BE49-F238E27FC236}">
-                <a16:creationId xmlns:a16="http://schemas.microsoft.com/office/drawing/2014/main" id="{7593546A-B654-D1E0-5C06-A8C7BB572234}"/>
+                <a16:creationId xmlns:a16="http://schemas.microsoft.com/office/drawing/2014/main" id="{4580CA56-0ABC-B97E-B3DE-E333CAA7EAA5}"/>
               </a:ext>
             </a:extLst>
           </p:cNvPr>
@@ -2116,7 +2116,7 @@
           <a:bodyPr/>
           <a:lstStyle/>
           <a:p>
-            <a:fld id="{2A365BE2-FF83-4999-B5EC-99E5BCAB40EC}" type="slidenum">
+            <a:fld id="{7CDCDC58-8AB5-4E1F-8B70-CB68F2366622}" type="slidenum">
               <a:rPr lang="zh-CN" altLang="en-US" smtClean="0"/>
               <a:t>‹#›</a:t>
             </a:fld>
@@ -2127,7 +2127,7 @@
     </p:spTree>
     <p:extLst>
       <p:ext uri="{BB962C8B-B14F-4D97-AF65-F5344CB8AC3E}">
-        <p14:creationId xmlns:p14="http://schemas.microsoft.com/office/powerpoint/2010/main" val="2120615155"/>
+        <p14:creationId xmlns:p14="http://schemas.microsoft.com/office/powerpoint/2010/main" val="2810424492"/>
       </p:ext>
     </p:extLst>
   </p:cSld>
@@ -2159,7 +2159,7 @@
           <p:cNvPr id="2" name="标题 1">
             <a:extLst>
               <a:ext uri="{FF2B5EF4-FFF2-40B4-BE49-F238E27FC236}">
-                <a16:creationId xmlns:a16="http://schemas.microsoft.com/office/drawing/2014/main" id="{ECC1F309-541C-6634-89A8-D02167915C8E}"/>
+                <a16:creationId xmlns:a16="http://schemas.microsoft.com/office/drawing/2014/main" id="{D67614D8-6126-7742-B195-3C908C7AE47C}"/>
               </a:ext>
             </a:extLst>
           </p:cNvPr>
@@ -2196,7 +2196,7 @@
           <p:cNvPr id="3" name="内容占位符 2">
             <a:extLst>
               <a:ext uri="{FF2B5EF4-FFF2-40B4-BE49-F238E27FC236}">
-                <a16:creationId xmlns:a16="http://schemas.microsoft.com/office/drawing/2014/main" id="{0E999534-CF21-EC4A-C3B9-08F802FD184E}"/>
+                <a16:creationId xmlns:a16="http://schemas.microsoft.com/office/drawing/2014/main" id="{CA9E7DBB-8F1C-76C8-B910-C3C36C9DF265}"/>
               </a:ext>
             </a:extLst>
           </p:cNvPr>
@@ -2286,7 +2286,7 @@
           <p:cNvPr id="4" name="文本占位符 3">
             <a:extLst>
               <a:ext uri="{FF2B5EF4-FFF2-40B4-BE49-F238E27FC236}">
-                <a16:creationId xmlns:a16="http://schemas.microsoft.com/office/drawing/2014/main" id="{9370BA98-D181-53AE-9206-9F4C23A4C257}"/>
+                <a16:creationId xmlns:a16="http://schemas.microsoft.com/office/drawing/2014/main" id="{7BAFF6FA-3517-CF97-CF4D-E738A00B056F}"/>
               </a:ext>
             </a:extLst>
           </p:cNvPr>
@@ -2357,7 +2357,7 @@
           <p:cNvPr id="5" name="日期占位符 4">
             <a:extLst>
               <a:ext uri="{FF2B5EF4-FFF2-40B4-BE49-F238E27FC236}">
-                <a16:creationId xmlns:a16="http://schemas.microsoft.com/office/drawing/2014/main" id="{F8EFF78B-A6F7-E8CA-9E30-BEE4658CC865}"/>
+                <a16:creationId xmlns:a16="http://schemas.microsoft.com/office/drawing/2014/main" id="{C581FF8D-7995-DE15-90A4-C376C9B83762}"/>
               </a:ext>
             </a:extLst>
           </p:cNvPr>
@@ -2373,7 +2373,7 @@
           <a:bodyPr/>
           <a:lstStyle/>
           <a:p>
-            <a:fld id="{6A079AC2-6E67-49AD-A016-9D9BFA8742AA}" type="datetimeFigureOut">
+            <a:fld id="{BF8F8C02-A97C-457B-A933-735B0E19A8E8}" type="datetimeFigureOut">
               <a:rPr lang="zh-CN" altLang="en-US" smtClean="0"/>
               <a:t>2024/3/10</a:t>
             </a:fld>
@@ -2386,7 +2386,7 @@
           <p:cNvPr id="6" name="页脚占位符 5">
             <a:extLst>
               <a:ext uri="{FF2B5EF4-FFF2-40B4-BE49-F238E27FC236}">
-                <a16:creationId xmlns:a16="http://schemas.microsoft.com/office/drawing/2014/main" id="{1F791C13-D4B6-0CF7-594C-229A453F0FC8}"/>
+                <a16:creationId xmlns:a16="http://schemas.microsoft.com/office/drawing/2014/main" id="{810C65DC-E51D-2DCD-BEF4-E46BD014BE60}"/>
               </a:ext>
             </a:extLst>
           </p:cNvPr>
@@ -2411,7 +2411,7 @@
           <p:cNvPr id="7" name="灯片编号占位符 6">
             <a:extLst>
               <a:ext uri="{FF2B5EF4-FFF2-40B4-BE49-F238E27FC236}">
-                <a16:creationId xmlns:a16="http://schemas.microsoft.com/office/drawing/2014/main" id="{8E05A525-EB73-06DB-B53B-FADE5AC368FE}"/>
+                <a16:creationId xmlns:a16="http://schemas.microsoft.com/office/drawing/2014/main" id="{11BB8076-41E1-DBC7-C645-F09A19775DF8}"/>
               </a:ext>
             </a:extLst>
           </p:cNvPr>
@@ -2427,7 +2427,7 @@
           <a:bodyPr/>
           <a:lstStyle/>
           <a:p>
-            <a:fld id="{2A365BE2-FF83-4999-B5EC-99E5BCAB40EC}" type="slidenum">
+            <a:fld id="{7CDCDC58-8AB5-4E1F-8B70-CB68F2366622}" type="slidenum">
               <a:rPr lang="zh-CN" altLang="en-US" smtClean="0"/>
               <a:t>‹#›</a:t>
             </a:fld>
@@ -2438,7 +2438,7 @@
     </p:spTree>
     <p:extLst>
       <p:ext uri="{BB962C8B-B14F-4D97-AF65-F5344CB8AC3E}">
-        <p14:creationId xmlns:p14="http://schemas.microsoft.com/office/powerpoint/2010/main" val="1786635122"/>
+        <p14:creationId xmlns:p14="http://schemas.microsoft.com/office/powerpoint/2010/main" val="2207951583"/>
       </p:ext>
     </p:extLst>
   </p:cSld>
@@ -2470,7 +2470,7 @@
           <p:cNvPr id="2" name="标题 1">
             <a:extLst>
               <a:ext uri="{FF2B5EF4-FFF2-40B4-BE49-F238E27FC236}">
-                <a16:creationId xmlns:a16="http://schemas.microsoft.com/office/drawing/2014/main" id="{0C8978FA-3F67-0F08-5967-BEA75F0528BB}"/>
+                <a16:creationId xmlns:a16="http://schemas.microsoft.com/office/drawing/2014/main" id="{C6B5CAEF-0622-FF19-1A5F-B8A315BB71D4}"/>
               </a:ext>
             </a:extLst>
           </p:cNvPr>
@@ -2507,7 +2507,7 @@
           <p:cNvPr id="3" name="图片占位符 2">
             <a:extLst>
               <a:ext uri="{FF2B5EF4-FFF2-40B4-BE49-F238E27FC236}">
-                <a16:creationId xmlns:a16="http://schemas.microsoft.com/office/drawing/2014/main" id="{F03D0883-6F93-890D-A63A-31E804737F64}"/>
+                <a16:creationId xmlns:a16="http://schemas.microsoft.com/office/drawing/2014/main" id="{1ADBA9D0-6BD0-66DC-5B50-60A9CF2E2950}"/>
               </a:ext>
             </a:extLst>
           </p:cNvPr>
@@ -2574,7 +2574,7 @@
           <p:cNvPr id="4" name="文本占位符 3">
             <a:extLst>
               <a:ext uri="{FF2B5EF4-FFF2-40B4-BE49-F238E27FC236}">
-                <a16:creationId xmlns:a16="http://schemas.microsoft.com/office/drawing/2014/main" id="{48CB5FB9-8CB4-76C2-DCAC-19C92BC63C49}"/>
+                <a16:creationId xmlns:a16="http://schemas.microsoft.com/office/drawing/2014/main" id="{F5CD8FBE-791B-B96F-CA38-F1BA6311B93E}"/>
               </a:ext>
             </a:extLst>
           </p:cNvPr>
@@ -2645,7 +2645,7 @@
           <p:cNvPr id="5" name="日期占位符 4">
             <a:extLst>
               <a:ext uri="{FF2B5EF4-FFF2-40B4-BE49-F238E27FC236}">
-                <a16:creationId xmlns:a16="http://schemas.microsoft.com/office/drawing/2014/main" id="{2DBCEFA0-1EDA-D25F-6EAE-B93B5A821D6C}"/>
+                <a16:creationId xmlns:a16="http://schemas.microsoft.com/office/drawing/2014/main" id="{6A0B17A8-ED76-57C6-202D-96A6BC3AA962}"/>
               </a:ext>
             </a:extLst>
           </p:cNvPr>
@@ -2661,7 +2661,7 @@
           <a:bodyPr/>
           <a:lstStyle/>
           <a:p>
-            <a:fld id="{6A079AC2-6E67-49AD-A016-9D9BFA8742AA}" type="datetimeFigureOut">
+            <a:fld id="{BF8F8C02-A97C-457B-A933-735B0E19A8E8}" type="datetimeFigureOut">
               <a:rPr lang="zh-CN" altLang="en-US" smtClean="0"/>
               <a:t>2024/3/10</a:t>
             </a:fld>
@@ -2674,7 +2674,7 @@
           <p:cNvPr id="6" name="页脚占位符 5">
             <a:extLst>
               <a:ext uri="{FF2B5EF4-FFF2-40B4-BE49-F238E27FC236}">
-                <a16:creationId xmlns:a16="http://schemas.microsoft.com/office/drawing/2014/main" id="{F3A9D36C-C607-CE4B-BF5D-D501C6BCF285}"/>
+                <a16:creationId xmlns:a16="http://schemas.microsoft.com/office/drawing/2014/main" id="{A605CBD1-855B-714B-02EB-6495E44B97C8}"/>
               </a:ext>
             </a:extLst>
           </p:cNvPr>
@@ -2699,7 +2699,7 @@
           <p:cNvPr id="7" name="灯片编号占位符 6">
             <a:extLst>
               <a:ext uri="{FF2B5EF4-FFF2-40B4-BE49-F238E27FC236}">
-                <a16:creationId xmlns:a16="http://schemas.microsoft.com/office/drawing/2014/main" id="{7DB3CCE4-9A46-1C49-0D66-E786BC2E0100}"/>
+                <a16:creationId xmlns:a16="http://schemas.microsoft.com/office/drawing/2014/main" id="{424A31DD-D44B-4DE8-9465-A6573A8297B4}"/>
               </a:ext>
             </a:extLst>
           </p:cNvPr>
@@ -2715,7 +2715,7 @@
           <a:bodyPr/>
           <a:lstStyle/>
           <a:p>
-            <a:fld id="{2A365BE2-FF83-4999-B5EC-99E5BCAB40EC}" type="slidenum">
+            <a:fld id="{7CDCDC58-8AB5-4E1F-8B70-CB68F2366622}" type="slidenum">
               <a:rPr lang="zh-CN" altLang="en-US" smtClean="0"/>
               <a:t>‹#›</a:t>
             </a:fld>
@@ -2726,7 +2726,7 @@
     </p:spTree>
     <p:extLst>
       <p:ext uri="{BB962C8B-B14F-4D97-AF65-F5344CB8AC3E}">
-        <p14:creationId xmlns:p14="http://schemas.microsoft.com/office/powerpoint/2010/main" val="3875363276"/>
+        <p14:creationId xmlns:p14="http://schemas.microsoft.com/office/powerpoint/2010/main" val="323979028"/>
       </p:ext>
     </p:extLst>
   </p:cSld>
@@ -2763,7 +2763,7 @@
           <p:cNvPr id="2" name="标题占位符 1">
             <a:extLst>
               <a:ext uri="{FF2B5EF4-FFF2-40B4-BE49-F238E27FC236}">
-                <a16:creationId xmlns:a16="http://schemas.microsoft.com/office/drawing/2014/main" id="{DC338EFA-A08C-53E9-5378-1B3BD72F75E2}"/>
+                <a16:creationId xmlns:a16="http://schemas.microsoft.com/office/drawing/2014/main" id="{75F071B1-C625-710A-AFEA-6EB722F614DE}"/>
               </a:ext>
             </a:extLst>
           </p:cNvPr>
@@ -2801,7 +2801,7 @@
           <p:cNvPr id="3" name="文本占位符 2">
             <a:extLst>
               <a:ext uri="{FF2B5EF4-FFF2-40B4-BE49-F238E27FC236}">
-                <a16:creationId xmlns:a16="http://schemas.microsoft.com/office/drawing/2014/main" id="{E68AF269-97EF-80CD-5C5A-AE4BDC15B1C8}"/>
+                <a16:creationId xmlns:a16="http://schemas.microsoft.com/office/drawing/2014/main" id="{F0529EB5-835D-52AF-AAC4-E2AE8E4E8761}"/>
               </a:ext>
             </a:extLst>
           </p:cNvPr>
@@ -2868,7 +2868,7 @@
           <p:cNvPr id="4" name="日期占位符 3">
             <a:extLst>
               <a:ext uri="{FF2B5EF4-FFF2-40B4-BE49-F238E27FC236}">
-                <a16:creationId xmlns:a16="http://schemas.microsoft.com/office/drawing/2014/main" id="{9D7723CF-9B76-8C05-16B0-C636E4BE9580}"/>
+                <a16:creationId xmlns:a16="http://schemas.microsoft.com/office/drawing/2014/main" id="{6CE1A865-5DF8-79B9-FF58-DFBCCC47E874}"/>
               </a:ext>
             </a:extLst>
           </p:cNvPr>
@@ -2902,7 +2902,7 @@
             </a:lvl1pPr>
           </a:lstStyle>
           <a:p>
-            <a:fld id="{6A079AC2-6E67-49AD-A016-9D9BFA8742AA}" type="datetimeFigureOut">
+            <a:fld id="{BF8F8C02-A97C-457B-A933-735B0E19A8E8}" type="datetimeFigureOut">
               <a:rPr lang="zh-CN" altLang="en-US" smtClean="0"/>
               <a:t>2024/3/10</a:t>
             </a:fld>
@@ -2915,7 +2915,7 @@
           <p:cNvPr id="5" name="页脚占位符 4">
             <a:extLst>
               <a:ext uri="{FF2B5EF4-FFF2-40B4-BE49-F238E27FC236}">
-                <a16:creationId xmlns:a16="http://schemas.microsoft.com/office/drawing/2014/main" id="{D03784AD-3BA6-0A96-17A6-B01DC1CCC376}"/>
+                <a16:creationId xmlns:a16="http://schemas.microsoft.com/office/drawing/2014/main" id="{5AC845E9-67BA-B8DE-43B3-2F6E72212DD8}"/>
               </a:ext>
             </a:extLst>
           </p:cNvPr>
@@ -2958,7 +2958,7 @@
           <p:cNvPr id="6" name="灯片编号占位符 5">
             <a:extLst>
               <a:ext uri="{FF2B5EF4-FFF2-40B4-BE49-F238E27FC236}">
-                <a16:creationId xmlns:a16="http://schemas.microsoft.com/office/drawing/2014/main" id="{94F34E0B-01BD-9ED4-BDE2-9ACC3CEF0763}"/>
+                <a16:creationId xmlns:a16="http://schemas.microsoft.com/office/drawing/2014/main" id="{28A1DA93-88AE-E96F-C928-9F630058DD5F}"/>
               </a:ext>
             </a:extLst>
           </p:cNvPr>
@@ -2992,7 +2992,7 @@
             </a:lvl1pPr>
           </a:lstStyle>
           <a:p>
-            <a:fld id="{2A365BE2-FF83-4999-B5EC-99E5BCAB40EC}" type="slidenum">
+            <a:fld id="{7CDCDC58-8AB5-4E1F-8B70-CB68F2366622}" type="slidenum">
               <a:rPr lang="zh-CN" altLang="en-US" smtClean="0"/>
               <a:t>‹#›</a:t>
             </a:fld>
@@ -3003,7 +3003,7 @@
     </p:spTree>
     <p:extLst>
       <p:ext uri="{BB962C8B-B14F-4D97-AF65-F5344CB8AC3E}">
-        <p14:creationId xmlns:p14="http://schemas.microsoft.com/office/powerpoint/2010/main" val="675777794"/>
+        <p14:creationId xmlns:p14="http://schemas.microsoft.com/office/powerpoint/2010/main" val="3146382466"/>
       </p:ext>
     </p:extLst>
   </p:cSld>
@@ -3323,7 +3323,7 @@
       </p:grpSpPr>
       <p:pic>
         <p:nvPicPr>
-          <p:cNvPr id="1551362" name="Picture 2" descr="1514"/>
+          <p:cNvPr id="1552386" name="Picture 2" descr="1515"/>
           <p:cNvPicPr>
             <a:picLocks noChangeAspect="1" noChangeArrowheads="1"/>
           </p:cNvPicPr>
@@ -3345,7 +3345,7 @@
         <p:spPr bwMode="auto">
           <a:xfrm>
             <a:off x="1524000" y="0"/>
-            <a:ext cx="9144000" cy="6858000"/>
+            <a:ext cx="9144000" cy="6764338"/>
           </a:xfrm>
           <a:prstGeom prst="rect">
             <a:avLst/>
@@ -3375,158 +3375,11 @@
           </a:extLst>
         </p:spPr>
       </p:pic>
-      <p:pic>
-        <p:nvPicPr>
-          <p:cNvPr id="1552387" name="Picture 3" descr="1514-2"/>
-          <p:cNvPicPr>
-            <a:picLocks noChangeAspect="1" noChangeArrowheads="1"/>
-          </p:cNvPicPr>
-          <p:nvPr/>
-        </p:nvPicPr>
-        <p:blipFill>
-          <a:blip r:embed="rId3">
-            <a:extLst>
-              <a:ext uri="{28A0092B-C50C-407E-A947-70E740481C1C}">
-                <a14:useLocalDpi xmlns:a14="http://schemas.microsoft.com/office/drawing/2010/main" val="0"/>
-              </a:ext>
-            </a:extLst>
-          </a:blip>
-          <a:srcRect/>
-          <a:stretch>
-            <a:fillRect/>
-          </a:stretch>
-        </p:blipFill>
-        <p:spPr bwMode="auto">
-          <a:xfrm>
-            <a:off x="1524000" y="1589"/>
-            <a:ext cx="9144000" cy="6884987"/>
-          </a:xfrm>
-          <a:prstGeom prst="rect">
-            <a:avLst/>
-          </a:prstGeom>
-          <a:noFill/>
-          <a:ln>
-            <a:noFill/>
-          </a:ln>
-          <a:effectLst/>
-          <a:extLst>
-            <a:ext uri="{909E8E84-426E-40DD-AFC4-6F175D3DCCD1}">
-              <a14:hiddenFill xmlns:a14="http://schemas.microsoft.com/office/drawing/2010/main">
-                <a:solidFill>
-                  <a:srgbClr val="FFFFFF"/>
-                </a:solidFill>
-              </a14:hiddenFill>
-            </a:ext>
-            <a:ext uri="{91240B29-F687-4F45-9708-019B960494DF}">
-              <a14:hiddenLine xmlns:a14="http://schemas.microsoft.com/office/drawing/2010/main" w="9525">
-                <a:solidFill>
-                  <a:srgbClr val="000000"/>
-                </a:solidFill>
-                <a:miter lim="800000"/>
-                <a:headEnd/>
-                <a:tailEnd/>
-              </a14:hiddenLine>
-            </a:ext>
-            <a:ext uri="{AF507438-7753-43E0-B8FC-AC1667EBCBE1}">
-              <a14:hiddenEffects xmlns:a14="http://schemas.microsoft.com/office/drawing/2010/main">
-                <a:effectLst>
-                  <a:outerShdw dist="35921" dir="2700000" algn="ctr" rotWithShape="0">
-                    <a:srgbClr val="808080"/>
-                  </a:outerShdw>
-                </a:effectLst>
-              </a14:hiddenEffects>
-            </a:ext>
-          </a:extLst>
-        </p:spPr>
-      </p:pic>
     </p:spTree>
   </p:cSld>
   <p:clrMapOvr>
     <a:masterClrMapping/>
   </p:clrMapOvr>
-  <p:timing>
-    <p:tnLst>
-      <p:par>
-        <p:cTn id="1" dur="indefinite" restart="never" nodeType="tmRoot">
-          <p:childTnLst>
-            <p:seq concurrent="1" nextAc="seek">
-              <p:cTn id="2" dur="indefinite" nodeType="mainSeq">
-                <p:childTnLst>
-                  <p:par>
-                    <p:cTn id="3" fill="hold" nodeType="clickPar">
-                      <p:stCondLst>
-                        <p:cond delay="indefinite"/>
-                      </p:stCondLst>
-                      <p:childTnLst>
-                        <p:par>
-                          <p:cTn id="4" fill="hold" nodeType="withGroup">
-                            <p:stCondLst>
-                              <p:cond delay="0"/>
-                            </p:stCondLst>
-                            <p:childTnLst>
-                              <p:par>
-                                <p:cTn id="5" presetID="10" presetClass="entr" presetSubtype="0" fill="hold" nodeType="clickEffect">
-                                  <p:stCondLst>
-                                    <p:cond delay="0"/>
-                                  </p:stCondLst>
-                                  <p:childTnLst>
-                                    <p:set>
-                                      <p:cBhvr>
-                                        <p:cTn id="6" dur="1" fill="hold">
-                                          <p:stCondLst>
-                                            <p:cond delay="0"/>
-                                          </p:stCondLst>
-                                        </p:cTn>
-                                        <p:tgtEl>
-                                          <p:spTgt spid="1552387"/>
-                                        </p:tgtEl>
-                                        <p:attrNameLst>
-                                          <p:attrName>style.visibility</p:attrName>
-                                        </p:attrNameLst>
-                                      </p:cBhvr>
-                                      <p:to>
-                                        <p:strVal val="visible"/>
-                                      </p:to>
-                                    </p:set>
-                                    <p:animEffect transition="in" filter="fade">
-                                      <p:cBhvr>
-                                        <p:cTn id="7" dur="500"/>
-                                        <p:tgtEl>
-                                          <p:spTgt spid="1552387"/>
-                                        </p:tgtEl>
-                                      </p:cBhvr>
-                                    </p:animEffect>
-                                  </p:childTnLst>
-                                </p:cTn>
-                              </p:par>
-                            </p:childTnLst>
-                          </p:cTn>
-                        </p:par>
-                      </p:childTnLst>
-                    </p:cTn>
-                  </p:par>
-                </p:childTnLst>
-              </p:cTn>
-              <p:prevCondLst>
-                <p:cond evt="onPrev" delay="0">
-                  <p:tgtEl>
-                    <p:sldTgt/>
-                  </p:tgtEl>
-                </p:cond>
-              </p:prevCondLst>
-              <p:nextCondLst>
-                <p:cond evt="onNext" delay="0">
-                  <p:tgtEl>
-                    <p:sldTgt/>
-                  </p:tgtEl>
-                </p:cond>
-              </p:nextCondLst>
-            </p:seq>
-          </p:childTnLst>
-        </p:cTn>
-      </p:par>
-    </p:tnLst>
-  </p:timing>
 </p:sld>
 </file>
 
